--- a/CLR.pptx
+++ b/CLR.pptx
@@ -289,7 +289,7 @@
           <a:p>
             <a:fld id="{CB44FAD5-72F8-4BA0-833C-AB0E25CAF725}" type="datetimeFigureOut">
               <a:rPr lang="en-US" smtClean="0"/>
-              <a:t>3/11/2014</a:t>
+              <a:t>4/19/2019</a:t>
             </a:fld>
             <a:endParaRPr lang="en-GB" dirty="0"/>
           </a:p>
@@ -454,7 +454,7 @@
           <a:p>
             <a:fld id="{CB44FAD5-72F8-4BA0-833C-AB0E25CAF725}" type="datetimeFigureOut">
               <a:rPr lang="en-US" smtClean="0"/>
-              <a:t>3/11/2014</a:t>
+              <a:t>4/19/2019</a:t>
             </a:fld>
             <a:endParaRPr lang="en-GB" dirty="0"/>
           </a:p>
@@ -629,7 +629,7 @@
           <a:p>
             <a:fld id="{CB44FAD5-72F8-4BA0-833C-AB0E25CAF725}" type="datetimeFigureOut">
               <a:rPr lang="en-US" smtClean="0"/>
-              <a:t>3/11/2014</a:t>
+              <a:t>4/19/2019</a:t>
             </a:fld>
             <a:endParaRPr lang="en-GB" dirty="0"/>
           </a:p>
@@ -794,7 +794,7 @@
           <a:p>
             <a:fld id="{CB44FAD5-72F8-4BA0-833C-AB0E25CAF725}" type="datetimeFigureOut">
               <a:rPr lang="en-US" smtClean="0"/>
-              <a:t>3/11/2014</a:t>
+              <a:t>4/19/2019</a:t>
             </a:fld>
             <a:endParaRPr lang="en-GB" dirty="0"/>
           </a:p>
@@ -1036,7 +1036,7 @@
           <a:p>
             <a:fld id="{CB44FAD5-72F8-4BA0-833C-AB0E25CAF725}" type="datetimeFigureOut">
               <a:rPr lang="en-US" smtClean="0"/>
-              <a:t>3/11/2014</a:t>
+              <a:t>4/19/2019</a:t>
             </a:fld>
             <a:endParaRPr lang="en-GB" dirty="0"/>
           </a:p>
@@ -1300,7 +1300,7 @@
           <a:p>
             <a:fld id="{CB44FAD5-72F8-4BA0-833C-AB0E25CAF725}" type="datetimeFigureOut">
               <a:rPr lang="en-US" smtClean="0"/>
-              <a:t>3/11/2014</a:t>
+              <a:t>4/19/2019</a:t>
             </a:fld>
             <a:endParaRPr lang="en-GB" dirty="0"/>
           </a:p>
@@ -1678,7 +1678,7 @@
           <a:p>
             <a:fld id="{CB44FAD5-72F8-4BA0-833C-AB0E25CAF725}" type="datetimeFigureOut">
               <a:rPr lang="en-US" smtClean="0"/>
-              <a:t>3/11/2014</a:t>
+              <a:t>4/19/2019</a:t>
             </a:fld>
             <a:endParaRPr lang="en-GB" dirty="0"/>
           </a:p>
@@ -1828,7 +1828,7 @@
           <a:p>
             <a:fld id="{CB44FAD5-72F8-4BA0-833C-AB0E25CAF725}" type="datetimeFigureOut">
               <a:rPr lang="en-US" smtClean="0"/>
-              <a:t>3/11/2014</a:t>
+              <a:t>4/19/2019</a:t>
             </a:fld>
             <a:endParaRPr lang="en-GB" dirty="0"/>
           </a:p>
@@ -1918,7 +1918,7 @@
           <a:p>
             <a:fld id="{CB44FAD5-72F8-4BA0-833C-AB0E25CAF725}" type="datetimeFigureOut">
               <a:rPr lang="en-US" smtClean="0"/>
-              <a:t>3/11/2014</a:t>
+              <a:t>4/19/2019</a:t>
             </a:fld>
             <a:endParaRPr lang="en-GB" dirty="0"/>
           </a:p>
@@ -2179,7 +2179,7 @@
           <a:p>
             <a:fld id="{CB44FAD5-72F8-4BA0-833C-AB0E25CAF725}" type="datetimeFigureOut">
               <a:rPr lang="en-US" smtClean="0"/>
-              <a:t>3/11/2014</a:t>
+              <a:t>4/19/2019</a:t>
             </a:fld>
             <a:endParaRPr lang="en-GB" dirty="0"/>
           </a:p>
@@ -2467,7 +2467,7 @@
           <a:p>
             <a:fld id="{CB44FAD5-72F8-4BA0-833C-AB0E25CAF725}" type="datetimeFigureOut">
               <a:rPr lang="en-US" smtClean="0"/>
-              <a:t>3/11/2014</a:t>
+              <a:t>4/19/2019</a:t>
             </a:fld>
             <a:endParaRPr lang="en-GB" dirty="0"/>
           </a:p>
@@ -3238,7 +3238,7 @@
           <a:p>
             <a:fld id="{CB44FAD5-72F8-4BA0-833C-AB0E25CAF725}" type="datetimeFigureOut">
               <a:rPr lang="en-US" smtClean="0"/>
-              <a:t>3/11/2014</a:t>
+              <a:t>4/19/2019</a:t>
             </a:fld>
             <a:endParaRPr lang="en-GB" dirty="0"/>
           </a:p>
@@ -3900,7 +3900,7 @@
         <p:spPr/>
         <p:txBody>
           <a:bodyPr>
-            <a:normAutofit fontScale="92500" lnSpcReduction="10000"/>
+            <a:normAutofit/>
           </a:bodyPr>
           <a:lstStyle/>
           <a:p>
@@ -3908,19 +3908,6 @@
           </a:p>
           <a:p>
             <a:endParaRPr lang="en-GB" dirty="0" smtClean="0"/>
-          </a:p>
-          <a:p>
-            <a:r>
-              <a:rPr lang="en-GB" dirty="0" smtClean="0"/>
-              <a:t>By </a:t>
-            </a:r>
-          </a:p>
-          <a:p>
-            <a:r>
-              <a:rPr lang="en-GB" dirty="0" smtClean="0"/>
-              <a:t>Prasanth tulasi</a:t>
-            </a:r>
-            <a:endParaRPr lang="en-GB" dirty="0"/>
           </a:p>
         </p:txBody>
       </p:sp>
@@ -4167,37 +4154,16 @@
                 <a:latin typeface="Times New Roman" pitchFamily="18" charset="0"/>
                 <a:cs typeface="Times New Roman" pitchFamily="18" charset="0"/>
               </a:rPr>
-              <a:t>The .NET Framework provides a run-time environment called the common language </a:t>
-            </a:r>
+              <a:t>The .NET Framework provides a run-time environment called the common language runtime.</a:t>
+            </a:r>
+          </a:p>
+          <a:p>
             <a:r>
               <a:rPr lang="en-GB" sz="2000" dirty="0" smtClean="0">
                 <a:latin typeface="Times New Roman" pitchFamily="18" charset="0"/>
                 <a:cs typeface="Times New Roman" pitchFamily="18" charset="0"/>
               </a:rPr>
-              <a:t>runtime.</a:t>
-            </a:r>
-          </a:p>
-          <a:p>
-            <a:r>
-              <a:rPr lang="en-GB" sz="2000" dirty="0" smtClean="0">
-                <a:latin typeface="Times New Roman" pitchFamily="18" charset="0"/>
-                <a:cs typeface="Times New Roman" pitchFamily="18" charset="0"/>
-              </a:rPr>
-              <a:t>It </a:t>
-            </a:r>
-            <a:r>
-              <a:rPr lang="en-GB" sz="2000" dirty="0" smtClean="0">
-                <a:latin typeface="Times New Roman" pitchFamily="18" charset="0"/>
-                <a:cs typeface="Times New Roman" pitchFamily="18" charset="0"/>
-              </a:rPr>
-              <a:t>runs the code and provides services that make the development process easier</a:t>
-            </a:r>
-            <a:r>
-              <a:rPr lang="en-GB" sz="2000" dirty="0" smtClean="0">
-                <a:latin typeface="Times New Roman" pitchFamily="18" charset="0"/>
-                <a:cs typeface="Times New Roman" pitchFamily="18" charset="0"/>
-              </a:rPr>
-              <a:t>.</a:t>
+              <a:t>It runs the code and provides services that make the development process easier.</a:t>
             </a:r>
           </a:p>
           <a:p>
@@ -4716,10 +4682,6 @@
               </a:rPr>
               <a:t> (CLR)</a:t>
             </a:r>
-            <a:endParaRPr lang="en-US" sz="2000" dirty="0" smtClean="0">
-              <a:latin typeface="Times New Roman" pitchFamily="18" charset="0"/>
-              <a:cs typeface="Times New Roman" pitchFamily="18" charset="0"/>
-            </a:endParaRPr>
           </a:p>
         </p:txBody>
       </p:sp>
@@ -4942,10 +4904,6 @@
               </a:rPr>
               <a:t>.</a:t>
             </a:r>
-            <a:endParaRPr lang="en-US" sz="2000" dirty="0" smtClean="0">
-              <a:latin typeface="Times New Roman" pitchFamily="18" charset="0"/>
-              <a:cs typeface="Times New Roman" pitchFamily="18" charset="0"/>
-            </a:endParaRPr>
           </a:p>
         </p:txBody>
       </p:sp>
@@ -5273,21 +5231,7 @@
                 <a:latin typeface="Times New Roman" pitchFamily="18" charset="0"/>
                 <a:cs typeface="Times New Roman" pitchFamily="18" charset="0"/>
               </a:rPr>
-              <a:t>When </a:t>
-            </a:r>
-            <a:r>
-              <a:rPr lang="en-GB" sz="2000" dirty="0" smtClean="0">
-                <a:latin typeface="Times New Roman" pitchFamily="18" charset="0"/>
-                <a:cs typeface="Times New Roman" pitchFamily="18" charset="0"/>
-              </a:rPr>
-              <a:t>a</a:t>
-            </a:r>
-            <a:r>
-              <a:rPr lang="en-GB" sz="2000" dirty="0" smtClean="0">
-                <a:latin typeface="Times New Roman" pitchFamily="18" charset="0"/>
-                <a:cs typeface="Times New Roman" pitchFamily="18" charset="0"/>
-              </a:rPr>
-              <a:t>nybody(client) open .exe file it will sends a message to the operating system.</a:t>
+              <a:t>When anybody(client) open .exe file it will sends a message to the operating system.</a:t>
             </a:r>
           </a:p>
           <a:p>
@@ -5499,14 +5443,7 @@
                 <a:latin typeface="Times New Roman" pitchFamily="18" charset="0"/>
                 <a:cs typeface="Times New Roman" pitchFamily="18" charset="0"/>
               </a:rPr>
-              <a:t>Support for explicit free threading that allows creation of multithreaded, scalable </a:t>
-            </a:r>
-            <a:r>
-              <a:rPr lang="en-GB" sz="2400" dirty="0" smtClean="0">
-                <a:latin typeface="Times New Roman" pitchFamily="18" charset="0"/>
-                <a:cs typeface="Times New Roman" pitchFamily="18" charset="0"/>
-              </a:rPr>
-              <a:t>applications.</a:t>
+              <a:t>Support for explicit free threading that allows creation of multithreaded, scalable applications.</a:t>
             </a:r>
           </a:p>
           <a:p>
@@ -5519,14 +5456,7 @@
                 <a:latin typeface="Times New Roman" pitchFamily="18" charset="0"/>
                 <a:cs typeface="Times New Roman" pitchFamily="18" charset="0"/>
               </a:rPr>
-              <a:t>Garbage </a:t>
-            </a:r>
-            <a:r>
-              <a:rPr lang="en-GB" sz="2400" dirty="0" smtClean="0">
-                <a:latin typeface="Times New Roman" pitchFamily="18" charset="0"/>
-                <a:cs typeface="Times New Roman" pitchFamily="18" charset="0"/>
-              </a:rPr>
-              <a:t>collection.</a:t>
+              <a:t>Garbage collection.</a:t>
             </a:r>
           </a:p>
           <a:p>
@@ -5539,21 +5469,7 @@
                 <a:latin typeface="Times New Roman" pitchFamily="18" charset="0"/>
                 <a:cs typeface="Times New Roman" pitchFamily="18" charset="0"/>
               </a:rPr>
-              <a:t>Use of delegates instead of function pointers for increased type safety and </a:t>
-            </a:r>
-            <a:r>
-              <a:rPr lang="en-GB" sz="2400" dirty="0" smtClean="0">
-                <a:latin typeface="Times New Roman" pitchFamily="18" charset="0"/>
-                <a:cs typeface="Times New Roman" pitchFamily="18" charset="0"/>
-              </a:rPr>
-              <a:t>security</a:t>
-            </a:r>
-            <a:r>
-              <a:rPr lang="en-GB" sz="2400" dirty="0" smtClean="0">
-                <a:latin typeface="Times New Roman" pitchFamily="18" charset="0"/>
-                <a:cs typeface="Times New Roman" pitchFamily="18" charset="0"/>
-              </a:rPr>
-              <a:t>.</a:t>
+              <a:t>Use of delegates instead of function pointers for increased type safety and security.</a:t>
             </a:r>
           </a:p>
           <a:p>
